--- a/doc/SoftwareDesign/Measurement/MeasurementDesign.pptx
+++ b/doc/SoftwareDesign/Measurement/MeasurementDesign.pptx
@@ -267,7 +267,7 @@
           <a:p>
             <a:fld id="{BDB1D72C-B286-4D77-AB41-B65B0FF94B7D}" type="datetimeFigureOut">
               <a:rPr lang="zh-CN" altLang="en-US" smtClean="0"/>
-              <a:t>2020/7/20</a:t>
+              <a:t>2020/8/4</a:t>
             </a:fld>
             <a:endParaRPr lang="zh-CN" altLang="en-US"/>
           </a:p>
@@ -465,7 +465,7 @@
           <a:p>
             <a:fld id="{BDB1D72C-B286-4D77-AB41-B65B0FF94B7D}" type="datetimeFigureOut">
               <a:rPr lang="zh-CN" altLang="en-US" smtClean="0"/>
-              <a:t>2020/7/20</a:t>
+              <a:t>2020/8/4</a:t>
             </a:fld>
             <a:endParaRPr lang="zh-CN" altLang="en-US"/>
           </a:p>
@@ -673,7 +673,7 @@
           <a:p>
             <a:fld id="{BDB1D72C-B286-4D77-AB41-B65B0FF94B7D}" type="datetimeFigureOut">
               <a:rPr lang="zh-CN" altLang="en-US" smtClean="0"/>
-              <a:t>2020/7/20</a:t>
+              <a:t>2020/8/4</a:t>
             </a:fld>
             <a:endParaRPr lang="zh-CN" altLang="en-US"/>
           </a:p>
@@ -871,7 +871,7 @@
           <a:p>
             <a:fld id="{BDB1D72C-B286-4D77-AB41-B65B0FF94B7D}" type="datetimeFigureOut">
               <a:rPr lang="zh-CN" altLang="en-US" smtClean="0"/>
-              <a:t>2020/7/20</a:t>
+              <a:t>2020/8/4</a:t>
             </a:fld>
             <a:endParaRPr lang="zh-CN" altLang="en-US"/>
           </a:p>
@@ -1146,7 +1146,7 @@
           <a:p>
             <a:fld id="{BDB1D72C-B286-4D77-AB41-B65B0FF94B7D}" type="datetimeFigureOut">
               <a:rPr lang="zh-CN" altLang="en-US" smtClean="0"/>
-              <a:t>2020/7/20</a:t>
+              <a:t>2020/8/4</a:t>
             </a:fld>
             <a:endParaRPr lang="zh-CN" altLang="en-US"/>
           </a:p>
@@ -1411,7 +1411,7 @@
           <a:p>
             <a:fld id="{BDB1D72C-B286-4D77-AB41-B65B0FF94B7D}" type="datetimeFigureOut">
               <a:rPr lang="zh-CN" altLang="en-US" smtClean="0"/>
-              <a:t>2020/7/20</a:t>
+              <a:t>2020/8/4</a:t>
             </a:fld>
             <a:endParaRPr lang="zh-CN" altLang="en-US"/>
           </a:p>
@@ -1823,7 +1823,7 @@
           <a:p>
             <a:fld id="{BDB1D72C-B286-4D77-AB41-B65B0FF94B7D}" type="datetimeFigureOut">
               <a:rPr lang="zh-CN" altLang="en-US" smtClean="0"/>
-              <a:t>2020/7/20</a:t>
+              <a:t>2020/8/4</a:t>
             </a:fld>
             <a:endParaRPr lang="zh-CN" altLang="en-US"/>
           </a:p>
@@ -1964,7 +1964,7 @@
           <a:p>
             <a:fld id="{BDB1D72C-B286-4D77-AB41-B65B0FF94B7D}" type="datetimeFigureOut">
               <a:rPr lang="zh-CN" altLang="en-US" smtClean="0"/>
-              <a:t>2020/7/20</a:t>
+              <a:t>2020/8/4</a:t>
             </a:fld>
             <a:endParaRPr lang="zh-CN" altLang="en-US"/>
           </a:p>
@@ -2077,7 +2077,7 @@
           <a:p>
             <a:fld id="{BDB1D72C-B286-4D77-AB41-B65B0FF94B7D}" type="datetimeFigureOut">
               <a:rPr lang="zh-CN" altLang="en-US" smtClean="0"/>
-              <a:t>2020/7/20</a:t>
+              <a:t>2020/8/4</a:t>
             </a:fld>
             <a:endParaRPr lang="zh-CN" altLang="en-US"/>
           </a:p>
@@ -2388,7 +2388,7 @@
           <a:p>
             <a:fld id="{BDB1D72C-B286-4D77-AB41-B65B0FF94B7D}" type="datetimeFigureOut">
               <a:rPr lang="zh-CN" altLang="en-US" smtClean="0"/>
-              <a:t>2020/7/20</a:t>
+              <a:t>2020/8/4</a:t>
             </a:fld>
             <a:endParaRPr lang="zh-CN" altLang="en-US"/>
           </a:p>
@@ -2676,7 +2676,7 @@
           <a:p>
             <a:fld id="{BDB1D72C-B286-4D77-AB41-B65B0FF94B7D}" type="datetimeFigureOut">
               <a:rPr lang="zh-CN" altLang="en-US" smtClean="0"/>
-              <a:t>2020/7/20</a:t>
+              <a:t>2020/8/4</a:t>
             </a:fld>
             <a:endParaRPr lang="zh-CN" altLang="en-US"/>
           </a:p>
@@ -2917,7 +2917,7 @@
           <a:p>
             <a:fld id="{BDB1D72C-B286-4D77-AB41-B65B0FF94B7D}" type="datetimeFigureOut">
               <a:rPr lang="zh-CN" altLang="en-US" smtClean="0"/>
-              <a:t>2020/7/20</a:t>
+              <a:t>2020/8/4</a:t>
             </a:fld>
             <a:endParaRPr lang="zh-CN" altLang="en-US"/>
           </a:p>
@@ -5144,14 +5144,11 @@
               </a:rPr>
               <a:t>gRPC-GetPortStats</a:t>
             </a:r>
-            <a:r>
-              <a:rPr lang="en-US" altLang="zh-CN" dirty="0">
-                <a:solidFill>
-                  <a:srgbClr val="FF0000"/>
-                </a:solidFill>
-              </a:rPr>
-              <a:t> [need test]</a:t>
-            </a:r>
+            <a:endParaRPr lang="en-US" altLang="zh-CN" dirty="0">
+              <a:solidFill>
+                <a:srgbClr val="FF0000"/>
+              </a:solidFill>
+            </a:endParaRPr>
           </a:p>
           <a:p>
             <a:pPr lvl="1"/>
@@ -5340,7 +5337,16 @@
             </a:r>
             <a:r>
               <a:rPr lang="en-US" altLang="zh-CN" dirty="0"/>
-              <a:t>() == MSG_TYPE_GETSERVER to SERVER_MANAGER_QUEUE</a:t>
+              <a:t>() ==  MSG_TYPE_SERVERMANAGER_CMD</a:t>
+            </a:r>
+          </a:p>
+          <a:p>
+            <a:pPr marL="457200" lvl="1" indent="0">
+              <a:buNone/>
+            </a:pPr>
+            <a:r>
+              <a:rPr lang="en-US" altLang="zh-CN" dirty="0"/>
+              <a:t> to SERVER_MANAGER_QUEUE</a:t>
             </a:r>
           </a:p>
           <a:p>
@@ -5373,7 +5379,7 @@
             </a:r>
             <a:r>
               <a:rPr lang="en-US" altLang="zh-CN" dirty="0"/>
-              <a:t>() == MSG_TYPE_GETSERVER</a:t>
+              <a:t>() ==  MSG_TYPE_SERVERMANAGER_CMD</a:t>
             </a:r>
           </a:p>
           <a:p>
@@ -5439,7 +5445,7 @@
             </a:r>
             <a:r>
               <a:rPr lang="en-US" altLang="zh-CN" dirty="0"/>
-              <a:t>() == MSG_TYPE_GETSERVER_REPLY</a:t>
+              <a:t>() ==  MSG_TYPE_SERVERMANAGER_CMD_REPLY</a:t>
             </a:r>
           </a:p>
         </p:txBody>
@@ -5551,7 +5557,7 @@
             </a:r>
             <a:r>
               <a:rPr lang="en-US" altLang="zh-CN" dirty="0"/>
-              <a:t>() == MSG_TYPE_GETTRAFFIC to BESS_CONTROLLER_QUEUE</a:t>
+              <a:t>() == MSG_TYPE_BESS_SFF_CMD to BESS_CONTROLLER_QUEUE</a:t>
             </a:r>
           </a:p>
           <a:p>
@@ -5580,7 +5586,7 @@
             </a:r>
             <a:r>
               <a:rPr lang="en-US" altLang="zh-CN" dirty="0"/>
-              <a:t>() == MSG_TYPE_ GETTRAFFIC</a:t>
+              <a:t>() ==  MSG_TYPE_BESS_SFF_CMD</a:t>
             </a:r>
           </a:p>
           <a:p>
@@ -5638,7 +5644,7 @@
             </a:r>
             <a:r>
               <a:rPr lang="en-US" altLang="zh-CN" dirty="0"/>
-              <a:t>() == MSG_TYPE_GETTRAFFIC_REPLY</a:t>
+              <a:t>() ==  MSG_TYPE_BESS_SFF_CMD_REPLY</a:t>
             </a:r>
           </a:p>
         </p:txBody>
@@ -5740,7 +5746,7 @@
             </a:r>
             <a:r>
               <a:rPr lang="en-US" altLang="zh-CN" dirty="0"/>
-              <a:t>() == MSG_TYPE_GETTOPO to RYU_QUEUE</a:t>
+              <a:t>() ==  MSG_TYPE_RYU_CMD to RYU_QUEUE</a:t>
             </a:r>
           </a:p>
           <a:p>
@@ -5761,7 +5767,7 @@
             </a:r>
             <a:r>
               <a:rPr lang="en-US" altLang="zh-CN" dirty="0"/>
-              <a:t>() == MSG_TYPE_GETTOPO</a:t>
+              <a:t>() ==  MSG_TYPE_RYU_CMD</a:t>
             </a:r>
           </a:p>
           <a:p>
@@ -5831,7 +5837,7 @@
             </a:r>
             <a:r>
               <a:rPr lang="en-US" altLang="zh-CN" dirty="0"/>
-              <a:t>() == MSG_TYPE_GETTOPO_REPLY</a:t>
+              <a:t>() ==  MSG_TYPE_RYU_CMD_REPLY</a:t>
             </a:r>
           </a:p>
           <a:p>
